--- a/figs/fig5.pptx
+++ b/figs/fig5.pptx
@@ -257,7 +257,7 @@
       </p15:sldGuideLst>
     </p:ext>
     <p:ext uri="http://customooxmlschemas.google.com/">
-      <go:slidesCustomData xmlns:go="http://customooxmlschemas.google.com/" xmlns:ahyp="http://schemas.microsoft.com/office/drawing/2018/hyperlinkcolor" xmlns:p15="http://schemas.microsoft.com/office/powerpoint/2012/main" xmlns:p14="http://schemas.microsoft.com/office/powerpoint/2010/main" xmlns:com="http://schemas.openxmlformats.org/drawingml/2006/compatibility" xmlns:pvml="urn:schemas-microsoft-com:office:powerpoint" xmlns:v="urn:schemas-microsoft-com:vml" xmlns:o="urn:schemas-microsoft-com:office:office" xmlns:dgm="http://schemas.openxmlformats.org/drawingml/2006/diagram" xmlns:c="http://schemas.openxmlformats.org/drawingml/2006/chart" xmlns:mv="urn:schemas-microsoft-com:mac:vml" xmlns:mc="http://schemas.openxmlformats.org/markup-compatibility/2006" xmlns="" r:id="rId10" roundtripDataSignature="AMtx7mhiytGPk8UOxiAGs9KaAxakDbg4SQ=="/>
+      <go:slidesCustomData xmlns="" xmlns:mc="http://schemas.openxmlformats.org/markup-compatibility/2006" xmlns:mv="urn:schemas-microsoft-com:mac:vml" xmlns:c="http://schemas.openxmlformats.org/drawingml/2006/chart" xmlns:dgm="http://schemas.openxmlformats.org/drawingml/2006/diagram" xmlns:o="urn:schemas-microsoft-com:office:office" xmlns:v="urn:schemas-microsoft-com:vml" xmlns:pvml="urn:schemas-microsoft-com:office:powerpoint" xmlns:com="http://schemas.openxmlformats.org/drawingml/2006/compatibility" xmlns:p14="http://schemas.microsoft.com/office/powerpoint/2010/main" xmlns:p15="http://schemas.microsoft.com/office/powerpoint/2012/main" xmlns:ahyp="http://schemas.microsoft.com/office/drawing/2018/hyperlinkcolor" xmlns:go="http://customooxmlschemas.google.com/" r:id="rId10" roundtripDataSignature="AMtx7mhiytGPk8UOxiAGs9KaAxakDbg4SQ=="/>
     </p:ext>
   </p:extLst>
 </p:presentation>
@@ -14763,10 +14763,10 @@
         </p:nvGrpSpPr>
         <p:grpSpPr>
           <a:xfrm>
-            <a:off x="15983273" y="13054995"/>
-            <a:ext cx="2297846" cy="697469"/>
-            <a:chOff x="15166443" y="14542006"/>
-            <a:chExt cx="2815867" cy="892972"/>
+            <a:off x="15970574" y="13029593"/>
+            <a:ext cx="2374047" cy="710169"/>
+            <a:chOff x="15150880" y="14509486"/>
+            <a:chExt cx="2909246" cy="909232"/>
           </a:xfrm>
         </p:grpSpPr>
         <p:sp>
@@ -14783,7 +14783,7 @@
           </p:nvSpPr>
           <p:spPr>
             <a:xfrm>
-              <a:off x="16695579" y="14542006"/>
+              <a:off x="16773395" y="14509486"/>
               <a:ext cx="1286731" cy="471185"/>
             </a:xfrm>
             <a:prstGeom prst="rect">
@@ -14819,7 +14819,7 @@
           </p:nvSpPr>
           <p:spPr>
             <a:xfrm>
-              <a:off x="15166443" y="14894992"/>
+              <a:off x="15150880" y="14878732"/>
               <a:ext cx="1638091" cy="539986"/>
             </a:xfrm>
             <a:prstGeom prst="rect">

--- a/figs/fig5.pptx
+++ b/figs/fig5.pptx
@@ -12,6 +12,15 @@
   </p:sldIdLst>
   <p:sldSz cx="36576000" cy="32918400"/>
   <p:notesSz cx="7010400" cy="9296400"/>
+  <p:embeddedFontLst>
+    <p:embeddedFont>
+      <p:font typeface="Calibri" panose="020F0502020204030204" pitchFamily="34" charset="0"/>
+      <p:regular r:id="rId4"/>
+      <p:bold r:id="rId5"/>
+      <p:italic r:id="rId6"/>
+      <p:boldItalic r:id="rId7"/>
+    </p:embeddedFont>
+  </p:embeddedFontLst>
   <p:defaultTextStyle>
     <a:defPPr marR="0" lvl="0" algn="l" rtl="0">
       <a:lnSpc>
@@ -257,7 +266,7 @@
       </p15:sldGuideLst>
     </p:ext>
     <p:ext uri="http://customooxmlschemas.google.com/">
-      <go:slidesCustomData xmlns="" xmlns:mc="http://schemas.openxmlformats.org/markup-compatibility/2006" xmlns:mv="urn:schemas-microsoft-com:mac:vml" xmlns:c="http://schemas.openxmlformats.org/drawingml/2006/chart" xmlns:dgm="http://schemas.openxmlformats.org/drawingml/2006/diagram" xmlns:o="urn:schemas-microsoft-com:office:office" xmlns:v="urn:schemas-microsoft-com:vml" xmlns:pvml="urn:schemas-microsoft-com:office:powerpoint" xmlns:com="http://schemas.openxmlformats.org/drawingml/2006/compatibility" xmlns:p14="http://schemas.microsoft.com/office/powerpoint/2010/main" xmlns:p15="http://schemas.microsoft.com/office/powerpoint/2012/main" xmlns:ahyp="http://schemas.microsoft.com/office/drawing/2018/hyperlinkcolor" xmlns:go="http://customooxmlschemas.google.com/" r:id="rId10" roundtripDataSignature="AMtx7mhiytGPk8UOxiAGs9KaAxakDbg4SQ=="/>
+      <go:slidesCustomData xmlns:go="http://customooxmlschemas.google.com/" xmlns:ahyp="http://schemas.microsoft.com/office/drawing/2018/hyperlinkcolor" xmlns:p15="http://schemas.microsoft.com/office/powerpoint/2012/main" xmlns:p14="http://schemas.microsoft.com/office/powerpoint/2010/main" xmlns:com="http://schemas.openxmlformats.org/drawingml/2006/compatibility" xmlns:pvml="urn:schemas-microsoft-com:office:powerpoint" xmlns:v="urn:schemas-microsoft-com:vml" xmlns:o="urn:schemas-microsoft-com:office:office" xmlns:dgm="http://schemas.openxmlformats.org/drawingml/2006/diagram" xmlns:c="http://schemas.openxmlformats.org/drawingml/2006/chart" xmlns:mv="urn:schemas-microsoft-com:mac:vml" xmlns:mc="http://schemas.openxmlformats.org/markup-compatibility/2006" xmlns="" r:id="rId10" roundtripDataSignature="AMtx7mhiytGPk8UOxiAGs9KaAxakDbg4SQ=="/>
     </p:ext>
   </p:extLst>
 </p:presentation>
@@ -14885,7 +14894,31 @@
                 </a:solidFill>
                 <a:latin typeface="Arial" panose="020B0604020202020204" pitchFamily="34" charset="0"/>
               </a:rPr>
-              <a:t>Summary of linear models explaining gene density across different clades and repetitive element types. Each cell indicates the terms from the best-fit model (selected based on AIC), including repeat age, repeat volume, and any interactions. Models with any non-significant terms were excluded. Cell color indicates the magnitude of the beta coefficient (predictor variables are normalized from 0 to 1). Cells representing models where beta coefficients have the opposite sign from the predicted hypothesis are outlined in red.</a:t>
+              <a:t>Summary of linear models explaining gene density across different clades and repetitive element types. Each cell indicates the terms from the best-fit model (selected based on AIC), including repeat age, repeat volume, and any interactions. Models with any non-significant terms were excluded. Cell color indicates the magnitude of the beta coefficient (predictor variables are normalized from 0 to 1). The shade of cells is on a log </a:t>
+            </a:r>
+            <a:r>
+              <a:rPr lang="en-US" sz="2400">
+                <a:solidFill>
+                  <a:schemeClr val="tx1">
+                    <a:lumMod val="65000"/>
+                    <a:lumOff val="35000"/>
+                  </a:schemeClr>
+                </a:solidFill>
+                <a:latin typeface="Arial" panose="020B0604020202020204" pitchFamily="34" charset="0"/>
+              </a:rPr>
+              <a:t>scale. Cells </a:t>
+            </a:r>
+            <a:r>
+              <a:rPr lang="en-US" sz="2400" dirty="0">
+                <a:solidFill>
+                  <a:schemeClr val="tx1">
+                    <a:lumMod val="65000"/>
+                    <a:lumOff val="35000"/>
+                  </a:schemeClr>
+                </a:solidFill>
+                <a:latin typeface="Arial" panose="020B0604020202020204" pitchFamily="34" charset="0"/>
+              </a:rPr>
+              <a:t>representing models where beta coefficients have the opposite sign from the predicted hypothesis are outlined in red.</a:t>
             </a:r>
             <a:endParaRPr lang="en-US" sz="2400" baseline="30000" dirty="0">
               <a:solidFill>
